--- a/OnlineBookLibrarySystem_Capstone.pptx
+++ b/OnlineBookLibrarySystem_Capstone.pptx
@@ -5,7 +5,7 @@
     <p:sldMasterId id="2147483648" r:id="rId1"/>
   </p:sldMasterIdLst>
   <p:notesMasterIdLst>
-    <p:notesMasterId r:id="rId20"/>
+    <p:notesMasterId r:id="rId21"/>
   </p:notesMasterIdLst>
   <p:sldIdLst>
     <p:sldId id="260" r:id="rId2"/>
@@ -15,17 +15,18 @@
     <p:sldId id="4424" r:id="rId6"/>
     <p:sldId id="4425" r:id="rId7"/>
     <p:sldId id="4426" r:id="rId8"/>
-    <p:sldId id="4430" r:id="rId9"/>
-    <p:sldId id="4431" r:id="rId10"/>
-    <p:sldId id="4436" r:id="rId11"/>
-    <p:sldId id="4432" r:id="rId12"/>
-    <p:sldId id="4433" r:id="rId13"/>
-    <p:sldId id="4434" r:id="rId14"/>
-    <p:sldId id="4435" r:id="rId15"/>
-    <p:sldId id="4427" r:id="rId16"/>
-    <p:sldId id="4428" r:id="rId17"/>
-    <p:sldId id="4429" r:id="rId18"/>
-    <p:sldId id="4437" r:id="rId19"/>
+    <p:sldId id="4438" r:id="rId9"/>
+    <p:sldId id="4430" r:id="rId10"/>
+    <p:sldId id="4431" r:id="rId11"/>
+    <p:sldId id="4436" r:id="rId12"/>
+    <p:sldId id="4432" r:id="rId13"/>
+    <p:sldId id="4433" r:id="rId14"/>
+    <p:sldId id="4434" r:id="rId15"/>
+    <p:sldId id="4435" r:id="rId16"/>
+    <p:sldId id="4427" r:id="rId17"/>
+    <p:sldId id="4428" r:id="rId18"/>
+    <p:sldId id="4429" r:id="rId19"/>
+    <p:sldId id="4437" r:id="rId20"/>
   </p:sldIdLst>
   <p:sldSz cx="12192000" cy="6858000"/>
   <p:notesSz cx="6858000" cy="9144000"/>
@@ -3764,7 +3765,7 @@
                 <a:ea typeface="Calibri" panose="020F0502020204030204" pitchFamily="34" charset="0"/>
                 <a:cs typeface="Calibri" panose="020F0502020204030204" pitchFamily="34" charset="0"/>
               </a:rPr>
-              <a:t>WIPRO NGA Program – .NET Full Stack</a:t>
+              <a:t>WIPRO NGA Program –.NET Full Stack (25VID0820)</a:t>
             </a:r>
           </a:p>
         </p:txBody>
@@ -3972,6 +3973,236 @@
 </file>
 
 <file path=ppt/slides/slide10.xml><?xml version="1.0" encoding="utf-8"?>
+<p:sld xmlns:a="http://schemas.openxmlformats.org/drawingml/2006/main" xmlns:r="http://schemas.openxmlformats.org/officeDocument/2006/relationships" xmlns:p="http://schemas.openxmlformats.org/presentationml/2006/main">
+  <p:cSld>
+    <p:spTree>
+      <p:nvGrpSpPr>
+        <p:cNvPr id="1" name="">
+          <a:extLst>
+            <a:ext uri="{FF2B5EF4-FFF2-40B4-BE49-F238E27FC236}">
+              <a16:creationId xmlns:a16="http://schemas.microsoft.com/office/drawing/2014/main" id="{BAD78A2C-2B4C-AE16-4308-F2D2F5643AB1}"/>
+            </a:ext>
+          </a:extLst>
+        </p:cNvPr>
+        <p:cNvGrpSpPr/>
+        <p:nvPr/>
+      </p:nvGrpSpPr>
+      <p:grpSpPr>
+        <a:xfrm>
+          <a:off x="0" y="0"/>
+          <a:ext cx="0" cy="0"/>
+          <a:chOff x="0" y="0"/>
+          <a:chExt cx="0" cy="0"/>
+        </a:xfrm>
+      </p:grpSpPr>
+      <p:sp>
+        <p:nvSpPr>
+          <p:cNvPr id="29" name="Rectangle 155">
+            <a:extLst>
+              <a:ext uri="{FF2B5EF4-FFF2-40B4-BE49-F238E27FC236}">
+                <a16:creationId xmlns:a16="http://schemas.microsoft.com/office/drawing/2014/main" id="{9BE34F29-8ACC-16FC-9404-6D2773AD43D4}"/>
+              </a:ext>
+            </a:extLst>
+          </p:cNvPr>
+          <p:cNvSpPr/>
+          <p:nvPr/>
+        </p:nvSpPr>
+        <p:spPr>
+          <a:xfrm>
+            <a:off x="273075" y="211475"/>
+            <a:ext cx="10102565" cy="492443"/>
+          </a:xfrm>
+          <a:prstGeom prst="rect">
+            <a:avLst/>
+          </a:prstGeom>
+        </p:spPr>
+        <p:txBody>
+          <a:bodyPr wrap="square" lIns="0" tIns="0" rIns="0" bIns="0">
+            <a:spAutoFit/>
+          </a:bodyPr>
+          <a:lstStyle/>
+          <a:p>
+            <a:pPr>
+              <a:spcBef>
+                <a:spcPct val="0"/>
+              </a:spcBef>
+            </a:pPr>
+            <a:r>
+              <a:rPr lang="en-US" sz="3200" b="1" dirty="0">
+                <a:solidFill>
+                  <a:srgbClr val="0187CC"/>
+                </a:solidFill>
+                <a:latin typeface="HK Grotesk Bold"/>
+              </a:rPr>
+              <a:t>Books</a:t>
+            </a:r>
+          </a:p>
+        </p:txBody>
+      </p:sp>
+      <p:pic>
+        <p:nvPicPr>
+          <p:cNvPr id="2" name="Picture 1" descr="Logo&#10;&#10;Description automatically generated">
+            <a:extLst>
+              <a:ext uri="{FF2B5EF4-FFF2-40B4-BE49-F238E27FC236}">
+                <a16:creationId xmlns:a16="http://schemas.microsoft.com/office/drawing/2014/main" id="{01220DF8-FF5C-F3F0-383B-70C2F9901BD5}"/>
+              </a:ext>
+            </a:extLst>
+          </p:cNvPr>
+          <p:cNvPicPr>
+            <a:picLocks noChangeAspect="1"/>
+          </p:cNvPicPr>
+          <p:nvPr/>
+        </p:nvPicPr>
+        <p:blipFill>
+          <a:blip r:embed="rId2">
+            <a:extLst>
+              <a:ext uri="{28A0092B-C50C-407E-A947-70E740481C1C}">
+                <a14:useLocalDpi xmlns:a14="http://schemas.microsoft.com/office/drawing/2010/main" val="0"/>
+              </a:ext>
+            </a:extLst>
+          </a:blip>
+          <a:stretch>
+            <a:fillRect/>
+          </a:stretch>
+        </p:blipFill>
+        <p:spPr>
+          <a:xfrm>
+            <a:off x="108630" y="6397884"/>
+            <a:ext cx="645766" cy="422937"/>
+          </a:xfrm>
+          <a:prstGeom prst="rect">
+            <a:avLst/>
+          </a:prstGeom>
+        </p:spPr>
+      </p:pic>
+      <p:sp>
+        <p:nvSpPr>
+          <p:cNvPr id="3" name="TextBox 5">
+            <a:extLst>
+              <a:ext uri="{FF2B5EF4-FFF2-40B4-BE49-F238E27FC236}">
+                <a16:creationId xmlns:a16="http://schemas.microsoft.com/office/drawing/2014/main" id="{2025D7EB-8077-DF1A-8A70-504F2D5876CD}"/>
+              </a:ext>
+            </a:extLst>
+          </p:cNvPr>
+          <p:cNvSpPr txBox="1"/>
+          <p:nvPr/>
+        </p:nvSpPr>
+        <p:spPr>
+          <a:xfrm>
+            <a:off x="4424757" y="6418579"/>
+            <a:ext cx="6259403" cy="240665"/>
+          </a:xfrm>
+          <a:prstGeom prst="rect">
+            <a:avLst/>
+          </a:prstGeom>
+        </p:spPr>
+        <p:txBody>
+          <a:bodyPr lIns="0" tIns="0" rIns="0" bIns="0" rtlCol="0" anchor="t">
+            <a:spAutoFit/>
+          </a:bodyPr>
+          <a:lstStyle/>
+          <a:p>
+            <a:pPr algn="r">
+              <a:lnSpc>
+                <a:spcPts val="1960"/>
+              </a:lnSpc>
+              <a:spcBef>
+                <a:spcPct val="0"/>
+              </a:spcBef>
+            </a:pPr>
+            <a:r>
+              <a:rPr lang="en-US" sz="1400" spc="140" dirty="0">
+                <a:solidFill>
+                  <a:srgbClr val="000000"/>
+                </a:solidFill>
+                <a:latin typeface="HK Grotesk Light"/>
+              </a:rPr>
+              <a:t>2025 - RPS Consulting all rights reserved</a:t>
+            </a:r>
+          </a:p>
+        </p:txBody>
+      </p:sp>
+      <p:sp>
+        <p:nvSpPr>
+          <p:cNvPr id="6" name="Slide Number Placeholder 5">
+            <a:extLst>
+              <a:ext uri="{FF2B5EF4-FFF2-40B4-BE49-F238E27FC236}">
+                <a16:creationId xmlns:a16="http://schemas.microsoft.com/office/drawing/2014/main" id="{3C78945A-D50C-28E1-8EA6-7B05994D1F5B}"/>
+              </a:ext>
+            </a:extLst>
+          </p:cNvPr>
+          <p:cNvSpPr>
+            <a:spLocks noGrp="1"/>
+          </p:cNvSpPr>
+          <p:nvPr>
+            <p:ph type="sldNum" sz="quarter" idx="12"/>
+          </p:nvPr>
+        </p:nvSpPr>
+        <p:spPr/>
+        <p:txBody>
+          <a:bodyPr/>
+          <a:lstStyle/>
+          <a:p>
+            <a:fld id="{C8F35010-364B-470B-BB6C-DCBBE63D2E54}" type="slidenum">
+              <a:rPr lang="en-US" smtClean="0">
+                <a:solidFill>
+                  <a:schemeClr val="tx1"/>
+                </a:solidFill>
+              </a:rPr>
+              <a:t>10</a:t>
+            </a:fld>
+            <a:endParaRPr lang="en-US" dirty="0">
+              <a:solidFill>
+                <a:schemeClr val="tx1"/>
+              </a:solidFill>
+            </a:endParaRPr>
+          </a:p>
+        </p:txBody>
+      </p:sp>
+      <p:pic>
+        <p:nvPicPr>
+          <p:cNvPr id="5" name="Picture 4">
+            <a:extLst>
+              <a:ext uri="{FF2B5EF4-FFF2-40B4-BE49-F238E27FC236}">
+                <a16:creationId xmlns:a16="http://schemas.microsoft.com/office/drawing/2014/main" id="{9FECBB75-E31A-0320-7CD3-506E6EB53A16}"/>
+              </a:ext>
+            </a:extLst>
+          </p:cNvPr>
+          <p:cNvPicPr>
+            <a:picLocks noChangeAspect="1"/>
+          </p:cNvPicPr>
+          <p:nvPr/>
+        </p:nvPicPr>
+        <p:blipFill>
+          <a:blip r:embed="rId3"/>
+          <a:stretch>
+            <a:fillRect/>
+          </a:stretch>
+        </p:blipFill>
+        <p:spPr>
+          <a:xfrm>
+            <a:off x="754396" y="999489"/>
+            <a:ext cx="9534991" cy="4769980"/>
+          </a:xfrm>
+          <a:prstGeom prst="rect">
+            <a:avLst/>
+          </a:prstGeom>
+        </p:spPr>
+      </p:pic>
+    </p:spTree>
+    <p:extLst>
+      <p:ext uri="{BB962C8B-B14F-4D97-AF65-F5344CB8AC3E}">
+        <p14:creationId xmlns:p14="http://schemas.microsoft.com/office/powerpoint/2010/main" val="1035282292"/>
+      </p:ext>
+    </p:extLst>
+  </p:cSld>
+  <p:clrMapOvr>
+    <a:masterClrMapping/>
+  </p:clrMapOvr>
+</p:sld>
+</file>
+
+<file path=ppt/slides/slide11.xml><?xml version="1.0" encoding="utf-8"?>
 <p:sld xmlns:a="http://schemas.openxmlformats.org/drawingml/2006/main" xmlns:r="http://schemas.openxmlformats.org/officeDocument/2006/relationships" xmlns:p="http://schemas.openxmlformats.org/presentationml/2006/main">
   <p:cSld>
     <p:spTree>
@@ -4148,7 +4379,7 @@
                   <a:schemeClr val="tx1"/>
                 </a:solidFill>
               </a:rPr>
-              <a:t>10</a:t>
+              <a:t>11</a:t>
             </a:fld>
             <a:endParaRPr lang="en-US" dirty="0">
               <a:solidFill>
@@ -4218,7 +4449,7 @@
 </p:sld>
 </file>
 
-<file path=ppt/slides/slide11.xml><?xml version="1.0" encoding="utf-8"?>
+<file path=ppt/slides/slide12.xml><?xml version="1.0" encoding="utf-8"?>
 <p:sld xmlns:a="http://schemas.openxmlformats.org/drawingml/2006/main" xmlns:r="http://schemas.openxmlformats.org/officeDocument/2006/relationships" xmlns:p="http://schemas.openxmlformats.org/presentationml/2006/main">
   <p:cSld>
     <p:spTree>
@@ -4395,7 +4626,7 @@
                   <a:schemeClr val="tx1"/>
                 </a:solidFill>
               </a:rPr>
-              <a:t>11</a:t>
+              <a:t>12</a:t>
             </a:fld>
             <a:endParaRPr lang="en-US" dirty="0">
               <a:solidFill>
@@ -4448,7 +4679,7 @@
 </p:sld>
 </file>
 
-<file path=ppt/slides/slide12.xml><?xml version="1.0" encoding="utf-8"?>
+<file path=ppt/slides/slide13.xml><?xml version="1.0" encoding="utf-8"?>
 <p:sld xmlns:a="http://schemas.openxmlformats.org/drawingml/2006/main" xmlns:r="http://schemas.openxmlformats.org/officeDocument/2006/relationships" xmlns:p="http://schemas.openxmlformats.org/presentationml/2006/main">
   <p:cSld>
     <p:spTree>
@@ -4625,7 +4856,7 @@
                   <a:schemeClr val="tx1"/>
                 </a:solidFill>
               </a:rPr>
-              <a:t>12</a:t>
+              <a:t>13</a:t>
             </a:fld>
             <a:endParaRPr lang="en-US" dirty="0">
               <a:solidFill>
@@ -4678,7 +4909,7 @@
 </p:sld>
 </file>
 
-<file path=ppt/slides/slide13.xml><?xml version="1.0" encoding="utf-8"?>
+<file path=ppt/slides/slide14.xml><?xml version="1.0" encoding="utf-8"?>
 <p:sld xmlns:a="http://schemas.openxmlformats.org/drawingml/2006/main" xmlns:r="http://schemas.openxmlformats.org/officeDocument/2006/relationships" xmlns:p="http://schemas.openxmlformats.org/presentationml/2006/main">
   <p:cSld>
     <p:spTree>
@@ -4855,7 +5086,7 @@
                   <a:schemeClr val="tx1"/>
                 </a:solidFill>
               </a:rPr>
-              <a:t>13</a:t>
+              <a:t>14</a:t>
             </a:fld>
             <a:endParaRPr lang="en-US" dirty="0">
               <a:solidFill>
@@ -4908,7 +5139,7 @@
 </p:sld>
 </file>
 
-<file path=ppt/slides/slide14.xml><?xml version="1.0" encoding="utf-8"?>
+<file path=ppt/slides/slide15.xml><?xml version="1.0" encoding="utf-8"?>
 <p:sld xmlns:a="http://schemas.openxmlformats.org/drawingml/2006/main" xmlns:r="http://schemas.openxmlformats.org/officeDocument/2006/relationships" xmlns:p="http://schemas.openxmlformats.org/presentationml/2006/main">
   <p:cSld>
     <p:spTree>
@@ -5085,7 +5316,7 @@
                   <a:schemeClr val="tx1"/>
                 </a:solidFill>
               </a:rPr>
-              <a:t>14</a:t>
+              <a:t>15</a:t>
             </a:fld>
             <a:endParaRPr lang="en-US" dirty="0">
               <a:solidFill>
@@ -5216,7 +5447,7 @@
 </p:sld>
 </file>
 
-<file path=ppt/slides/slide15.xml><?xml version="1.0" encoding="utf-8"?>
+<file path=ppt/slides/slide16.xml><?xml version="1.0" encoding="utf-8"?>
 <p:sld xmlns:a="http://schemas.openxmlformats.org/drawingml/2006/main" xmlns:r="http://schemas.openxmlformats.org/officeDocument/2006/relationships" xmlns:p="http://schemas.openxmlformats.org/presentationml/2006/main">
   <p:cSld>
     <p:spTree>
@@ -5393,7 +5624,7 @@
                   <a:schemeClr val="tx1"/>
                 </a:solidFill>
               </a:rPr>
-              <a:t>15</a:t>
+              <a:t>16</a:t>
             </a:fld>
             <a:endParaRPr lang="en-US" dirty="0">
               <a:solidFill>
@@ -5694,7 +5925,7 @@
 </p:sld>
 </file>
 
-<file path=ppt/slides/slide16.xml><?xml version="1.0" encoding="utf-8"?>
+<file path=ppt/slides/slide17.xml><?xml version="1.0" encoding="utf-8"?>
 <p:sld xmlns:a="http://schemas.openxmlformats.org/drawingml/2006/main" xmlns:r="http://schemas.openxmlformats.org/officeDocument/2006/relationships" xmlns:p="http://schemas.openxmlformats.org/presentationml/2006/main">
   <p:cSld>
     <p:spTree>
@@ -5871,7 +6102,7 @@
                   <a:schemeClr val="tx1"/>
                 </a:solidFill>
               </a:rPr>
-              <a:t>16</a:t>
+              <a:t>17</a:t>
             </a:fld>
             <a:endParaRPr lang="en-US" dirty="0">
               <a:solidFill>
@@ -6181,7 +6412,7 @@
 </p:sld>
 </file>
 
-<file path=ppt/slides/slide17.xml><?xml version="1.0" encoding="utf-8"?>
+<file path=ppt/slides/slide18.xml><?xml version="1.0" encoding="utf-8"?>
 <p:sld xmlns:a="http://schemas.openxmlformats.org/drawingml/2006/main" xmlns:r="http://schemas.openxmlformats.org/officeDocument/2006/relationships" xmlns:p="http://schemas.openxmlformats.org/presentationml/2006/main">
   <p:cSld>
     <p:spTree>
@@ -6358,7 +6589,7 @@
                   <a:schemeClr val="tx1"/>
                 </a:solidFill>
               </a:rPr>
-              <a:t>17</a:t>
+              <a:t>18</a:t>
             </a:fld>
             <a:endParaRPr lang="en-US" dirty="0">
               <a:solidFill>
@@ -6657,7 +6888,7 @@
 </p:sld>
 </file>
 
-<file path=ppt/slides/slide18.xml><?xml version="1.0" encoding="utf-8"?>
+<file path=ppt/slides/slide19.xml><?xml version="1.0" encoding="utf-8"?>
 <p:sld xmlns:a="http://schemas.openxmlformats.org/drawingml/2006/main" xmlns:r="http://schemas.openxmlformats.org/officeDocument/2006/relationships" xmlns:p="http://schemas.openxmlformats.org/presentationml/2006/main">
   <p:cSld>
     <p:bg>
@@ -9298,6 +9529,236 @@
         <p:cNvPr id="1" name="">
           <a:extLst>
             <a:ext uri="{FF2B5EF4-FFF2-40B4-BE49-F238E27FC236}">
+              <a16:creationId xmlns:a16="http://schemas.microsoft.com/office/drawing/2014/main" id="{D559F963-5B9F-9EA9-64DF-398C5D60CADB}"/>
+            </a:ext>
+          </a:extLst>
+        </p:cNvPr>
+        <p:cNvGrpSpPr/>
+        <p:nvPr/>
+      </p:nvGrpSpPr>
+      <p:grpSpPr>
+        <a:xfrm>
+          <a:off x="0" y="0"/>
+          <a:ext cx="0" cy="0"/>
+          <a:chOff x="0" y="0"/>
+          <a:chExt cx="0" cy="0"/>
+        </a:xfrm>
+      </p:grpSpPr>
+      <p:sp>
+        <p:nvSpPr>
+          <p:cNvPr id="29" name="Rectangle 155">
+            <a:extLst>
+              <a:ext uri="{FF2B5EF4-FFF2-40B4-BE49-F238E27FC236}">
+                <a16:creationId xmlns:a16="http://schemas.microsoft.com/office/drawing/2014/main" id="{B7CD60E2-7749-5A63-E409-AA44557CF38D}"/>
+              </a:ext>
+            </a:extLst>
+          </p:cNvPr>
+          <p:cNvSpPr/>
+          <p:nvPr/>
+        </p:nvSpPr>
+        <p:spPr>
+          <a:xfrm>
+            <a:off x="273075" y="211475"/>
+            <a:ext cx="10102565" cy="492443"/>
+          </a:xfrm>
+          <a:prstGeom prst="rect">
+            <a:avLst/>
+          </a:prstGeom>
+        </p:spPr>
+        <p:txBody>
+          <a:bodyPr wrap="square" lIns="0" tIns="0" rIns="0" bIns="0">
+            <a:spAutoFit/>
+          </a:bodyPr>
+          <a:lstStyle/>
+          <a:p>
+            <a:pPr>
+              <a:spcBef>
+                <a:spcPct val="0"/>
+              </a:spcBef>
+            </a:pPr>
+            <a:r>
+              <a:rPr lang="en-US" sz="3200" b="1" dirty="0">
+                <a:solidFill>
+                  <a:srgbClr val="0187CC"/>
+                </a:solidFill>
+                <a:latin typeface="HK Grotesk Bold"/>
+              </a:rPr>
+              <a:t>Folder Structure</a:t>
+            </a:r>
+          </a:p>
+        </p:txBody>
+      </p:sp>
+      <p:pic>
+        <p:nvPicPr>
+          <p:cNvPr id="2" name="Picture 1" descr="Logo&#10;&#10;Description automatically generated">
+            <a:extLst>
+              <a:ext uri="{FF2B5EF4-FFF2-40B4-BE49-F238E27FC236}">
+                <a16:creationId xmlns:a16="http://schemas.microsoft.com/office/drawing/2014/main" id="{AA9F360B-362E-C28C-B3D4-AD00AB166229}"/>
+              </a:ext>
+            </a:extLst>
+          </p:cNvPr>
+          <p:cNvPicPr>
+            <a:picLocks noChangeAspect="1"/>
+          </p:cNvPicPr>
+          <p:nvPr/>
+        </p:nvPicPr>
+        <p:blipFill>
+          <a:blip r:embed="rId2">
+            <a:extLst>
+              <a:ext uri="{28A0092B-C50C-407E-A947-70E740481C1C}">
+                <a14:useLocalDpi xmlns:a14="http://schemas.microsoft.com/office/drawing/2010/main" val="0"/>
+              </a:ext>
+            </a:extLst>
+          </a:blip>
+          <a:stretch>
+            <a:fillRect/>
+          </a:stretch>
+        </p:blipFill>
+        <p:spPr>
+          <a:xfrm>
+            <a:off x="108630" y="6397884"/>
+            <a:ext cx="645766" cy="422937"/>
+          </a:xfrm>
+          <a:prstGeom prst="rect">
+            <a:avLst/>
+          </a:prstGeom>
+        </p:spPr>
+      </p:pic>
+      <p:sp>
+        <p:nvSpPr>
+          <p:cNvPr id="3" name="TextBox 5">
+            <a:extLst>
+              <a:ext uri="{FF2B5EF4-FFF2-40B4-BE49-F238E27FC236}">
+                <a16:creationId xmlns:a16="http://schemas.microsoft.com/office/drawing/2014/main" id="{37F42F33-72F0-51E9-9DA1-E51B5B460EDE}"/>
+              </a:ext>
+            </a:extLst>
+          </p:cNvPr>
+          <p:cNvSpPr txBox="1"/>
+          <p:nvPr/>
+        </p:nvSpPr>
+        <p:spPr>
+          <a:xfrm>
+            <a:off x="4424757" y="6418579"/>
+            <a:ext cx="6259403" cy="240665"/>
+          </a:xfrm>
+          <a:prstGeom prst="rect">
+            <a:avLst/>
+          </a:prstGeom>
+        </p:spPr>
+        <p:txBody>
+          <a:bodyPr lIns="0" tIns="0" rIns="0" bIns="0" rtlCol="0" anchor="t">
+            <a:spAutoFit/>
+          </a:bodyPr>
+          <a:lstStyle/>
+          <a:p>
+            <a:pPr algn="r">
+              <a:lnSpc>
+                <a:spcPts val="1960"/>
+              </a:lnSpc>
+              <a:spcBef>
+                <a:spcPct val="0"/>
+              </a:spcBef>
+            </a:pPr>
+            <a:r>
+              <a:rPr lang="en-US" sz="1400" spc="140" dirty="0">
+                <a:solidFill>
+                  <a:srgbClr val="000000"/>
+                </a:solidFill>
+                <a:latin typeface="HK Grotesk Light"/>
+              </a:rPr>
+              <a:t>2025 - RPS Consulting all rights reserved</a:t>
+            </a:r>
+          </a:p>
+        </p:txBody>
+      </p:sp>
+      <p:sp>
+        <p:nvSpPr>
+          <p:cNvPr id="6" name="Slide Number Placeholder 5">
+            <a:extLst>
+              <a:ext uri="{FF2B5EF4-FFF2-40B4-BE49-F238E27FC236}">
+                <a16:creationId xmlns:a16="http://schemas.microsoft.com/office/drawing/2014/main" id="{502105E3-AB5C-95D8-E481-82B366C9F8AA}"/>
+              </a:ext>
+            </a:extLst>
+          </p:cNvPr>
+          <p:cNvSpPr>
+            <a:spLocks noGrp="1"/>
+          </p:cNvSpPr>
+          <p:nvPr>
+            <p:ph type="sldNum" sz="quarter" idx="12"/>
+          </p:nvPr>
+        </p:nvSpPr>
+        <p:spPr/>
+        <p:txBody>
+          <a:bodyPr/>
+          <a:lstStyle/>
+          <a:p>
+            <a:fld id="{C8F35010-364B-470B-BB6C-DCBBE63D2E54}" type="slidenum">
+              <a:rPr lang="en-US" smtClean="0">
+                <a:solidFill>
+                  <a:schemeClr val="tx1"/>
+                </a:solidFill>
+              </a:rPr>
+              <a:t>8</a:t>
+            </a:fld>
+            <a:endParaRPr lang="en-US" dirty="0">
+              <a:solidFill>
+                <a:schemeClr val="tx1"/>
+              </a:solidFill>
+            </a:endParaRPr>
+          </a:p>
+        </p:txBody>
+      </p:sp>
+      <p:pic>
+        <p:nvPicPr>
+          <p:cNvPr id="5" name="Picture 4">
+            <a:extLst>
+              <a:ext uri="{FF2B5EF4-FFF2-40B4-BE49-F238E27FC236}">
+                <a16:creationId xmlns:a16="http://schemas.microsoft.com/office/drawing/2014/main" id="{CB1BE426-FBEA-57B6-6D91-D7667C2E46F5}"/>
+              </a:ext>
+            </a:extLst>
+          </p:cNvPr>
+          <p:cNvPicPr>
+            <a:picLocks noChangeAspect="1"/>
+          </p:cNvPicPr>
+          <p:nvPr/>
+        </p:nvPicPr>
+        <p:blipFill>
+          <a:blip r:embed="rId3"/>
+          <a:stretch>
+            <a:fillRect/>
+          </a:stretch>
+        </p:blipFill>
+        <p:spPr>
+          <a:xfrm>
+            <a:off x="3574849" y="832568"/>
+            <a:ext cx="3499016" cy="5500540"/>
+          </a:xfrm>
+          <a:prstGeom prst="rect">
+            <a:avLst/>
+          </a:prstGeom>
+        </p:spPr>
+      </p:pic>
+    </p:spTree>
+    <p:extLst>
+      <p:ext uri="{BB962C8B-B14F-4D97-AF65-F5344CB8AC3E}">
+        <p14:creationId xmlns:p14="http://schemas.microsoft.com/office/powerpoint/2010/main" val="1755792694"/>
+      </p:ext>
+    </p:extLst>
+  </p:cSld>
+  <p:clrMapOvr>
+    <a:masterClrMapping/>
+  </p:clrMapOvr>
+</p:sld>
+</file>
+
+<file path=ppt/slides/slide9.xml><?xml version="1.0" encoding="utf-8"?>
+<p:sld xmlns:a="http://schemas.openxmlformats.org/drawingml/2006/main" xmlns:r="http://schemas.openxmlformats.org/officeDocument/2006/relationships" xmlns:p="http://schemas.openxmlformats.org/presentationml/2006/main">
+  <p:cSld>
+    <p:spTree>
+      <p:nvGrpSpPr>
+        <p:cNvPr id="1" name="">
+          <a:extLst>
+            <a:ext uri="{FF2B5EF4-FFF2-40B4-BE49-F238E27FC236}">
               <a16:creationId xmlns:a16="http://schemas.microsoft.com/office/drawing/2014/main" id="{6F72CFC2-31A5-AD39-2B9C-9DDDC331F4FE}"/>
             </a:ext>
           </a:extLst>
@@ -9467,7 +9928,7 @@
                   <a:schemeClr val="tx1"/>
                 </a:solidFill>
               </a:rPr>
-              <a:t>8</a:t>
+              <a:t>9</a:t>
             </a:fld>
             <a:endParaRPr lang="en-US" dirty="0">
               <a:solidFill>
@@ -9528,236 +9989,6 @@
     <p:extLst>
       <p:ext uri="{BB962C8B-B14F-4D97-AF65-F5344CB8AC3E}">
         <p14:creationId xmlns:p14="http://schemas.microsoft.com/office/powerpoint/2010/main" val="4176372023"/>
-      </p:ext>
-    </p:extLst>
-  </p:cSld>
-  <p:clrMapOvr>
-    <a:masterClrMapping/>
-  </p:clrMapOvr>
-</p:sld>
-</file>
-
-<file path=ppt/slides/slide9.xml><?xml version="1.0" encoding="utf-8"?>
-<p:sld xmlns:a="http://schemas.openxmlformats.org/drawingml/2006/main" xmlns:r="http://schemas.openxmlformats.org/officeDocument/2006/relationships" xmlns:p="http://schemas.openxmlformats.org/presentationml/2006/main">
-  <p:cSld>
-    <p:spTree>
-      <p:nvGrpSpPr>
-        <p:cNvPr id="1" name="">
-          <a:extLst>
-            <a:ext uri="{FF2B5EF4-FFF2-40B4-BE49-F238E27FC236}">
-              <a16:creationId xmlns:a16="http://schemas.microsoft.com/office/drawing/2014/main" id="{BAD78A2C-2B4C-AE16-4308-F2D2F5643AB1}"/>
-            </a:ext>
-          </a:extLst>
-        </p:cNvPr>
-        <p:cNvGrpSpPr/>
-        <p:nvPr/>
-      </p:nvGrpSpPr>
-      <p:grpSpPr>
-        <a:xfrm>
-          <a:off x="0" y="0"/>
-          <a:ext cx="0" cy="0"/>
-          <a:chOff x="0" y="0"/>
-          <a:chExt cx="0" cy="0"/>
-        </a:xfrm>
-      </p:grpSpPr>
-      <p:sp>
-        <p:nvSpPr>
-          <p:cNvPr id="29" name="Rectangle 155">
-            <a:extLst>
-              <a:ext uri="{FF2B5EF4-FFF2-40B4-BE49-F238E27FC236}">
-                <a16:creationId xmlns:a16="http://schemas.microsoft.com/office/drawing/2014/main" id="{9BE34F29-8ACC-16FC-9404-6D2773AD43D4}"/>
-              </a:ext>
-            </a:extLst>
-          </p:cNvPr>
-          <p:cNvSpPr/>
-          <p:nvPr/>
-        </p:nvSpPr>
-        <p:spPr>
-          <a:xfrm>
-            <a:off x="273075" y="211475"/>
-            <a:ext cx="10102565" cy="492443"/>
-          </a:xfrm>
-          <a:prstGeom prst="rect">
-            <a:avLst/>
-          </a:prstGeom>
-        </p:spPr>
-        <p:txBody>
-          <a:bodyPr wrap="square" lIns="0" tIns="0" rIns="0" bIns="0">
-            <a:spAutoFit/>
-          </a:bodyPr>
-          <a:lstStyle/>
-          <a:p>
-            <a:pPr>
-              <a:spcBef>
-                <a:spcPct val="0"/>
-              </a:spcBef>
-            </a:pPr>
-            <a:r>
-              <a:rPr lang="en-US" sz="3200" b="1" dirty="0">
-                <a:solidFill>
-                  <a:srgbClr val="0187CC"/>
-                </a:solidFill>
-                <a:latin typeface="HK Grotesk Bold"/>
-              </a:rPr>
-              <a:t>Books</a:t>
-            </a:r>
-          </a:p>
-        </p:txBody>
-      </p:sp>
-      <p:pic>
-        <p:nvPicPr>
-          <p:cNvPr id="2" name="Picture 1" descr="Logo&#10;&#10;Description automatically generated">
-            <a:extLst>
-              <a:ext uri="{FF2B5EF4-FFF2-40B4-BE49-F238E27FC236}">
-                <a16:creationId xmlns:a16="http://schemas.microsoft.com/office/drawing/2014/main" id="{01220DF8-FF5C-F3F0-383B-70C2F9901BD5}"/>
-              </a:ext>
-            </a:extLst>
-          </p:cNvPr>
-          <p:cNvPicPr>
-            <a:picLocks noChangeAspect="1"/>
-          </p:cNvPicPr>
-          <p:nvPr/>
-        </p:nvPicPr>
-        <p:blipFill>
-          <a:blip r:embed="rId2">
-            <a:extLst>
-              <a:ext uri="{28A0092B-C50C-407E-A947-70E740481C1C}">
-                <a14:useLocalDpi xmlns:a14="http://schemas.microsoft.com/office/drawing/2010/main" val="0"/>
-              </a:ext>
-            </a:extLst>
-          </a:blip>
-          <a:stretch>
-            <a:fillRect/>
-          </a:stretch>
-        </p:blipFill>
-        <p:spPr>
-          <a:xfrm>
-            <a:off x="108630" y="6397884"/>
-            <a:ext cx="645766" cy="422937"/>
-          </a:xfrm>
-          <a:prstGeom prst="rect">
-            <a:avLst/>
-          </a:prstGeom>
-        </p:spPr>
-      </p:pic>
-      <p:sp>
-        <p:nvSpPr>
-          <p:cNvPr id="3" name="TextBox 5">
-            <a:extLst>
-              <a:ext uri="{FF2B5EF4-FFF2-40B4-BE49-F238E27FC236}">
-                <a16:creationId xmlns:a16="http://schemas.microsoft.com/office/drawing/2014/main" id="{2025D7EB-8077-DF1A-8A70-504F2D5876CD}"/>
-              </a:ext>
-            </a:extLst>
-          </p:cNvPr>
-          <p:cNvSpPr txBox="1"/>
-          <p:nvPr/>
-        </p:nvSpPr>
-        <p:spPr>
-          <a:xfrm>
-            <a:off x="4424757" y="6418579"/>
-            <a:ext cx="6259403" cy="240665"/>
-          </a:xfrm>
-          <a:prstGeom prst="rect">
-            <a:avLst/>
-          </a:prstGeom>
-        </p:spPr>
-        <p:txBody>
-          <a:bodyPr lIns="0" tIns="0" rIns="0" bIns="0" rtlCol="0" anchor="t">
-            <a:spAutoFit/>
-          </a:bodyPr>
-          <a:lstStyle/>
-          <a:p>
-            <a:pPr algn="r">
-              <a:lnSpc>
-                <a:spcPts val="1960"/>
-              </a:lnSpc>
-              <a:spcBef>
-                <a:spcPct val="0"/>
-              </a:spcBef>
-            </a:pPr>
-            <a:r>
-              <a:rPr lang="en-US" sz="1400" spc="140" dirty="0">
-                <a:solidFill>
-                  <a:srgbClr val="000000"/>
-                </a:solidFill>
-                <a:latin typeface="HK Grotesk Light"/>
-              </a:rPr>
-              <a:t>2025 - RPS Consulting all rights reserved</a:t>
-            </a:r>
-          </a:p>
-        </p:txBody>
-      </p:sp>
-      <p:sp>
-        <p:nvSpPr>
-          <p:cNvPr id="6" name="Slide Number Placeholder 5">
-            <a:extLst>
-              <a:ext uri="{FF2B5EF4-FFF2-40B4-BE49-F238E27FC236}">
-                <a16:creationId xmlns:a16="http://schemas.microsoft.com/office/drawing/2014/main" id="{3C78945A-D50C-28E1-8EA6-7B05994D1F5B}"/>
-              </a:ext>
-            </a:extLst>
-          </p:cNvPr>
-          <p:cNvSpPr>
-            <a:spLocks noGrp="1"/>
-          </p:cNvSpPr>
-          <p:nvPr>
-            <p:ph type="sldNum" sz="quarter" idx="12"/>
-          </p:nvPr>
-        </p:nvSpPr>
-        <p:spPr/>
-        <p:txBody>
-          <a:bodyPr/>
-          <a:lstStyle/>
-          <a:p>
-            <a:fld id="{C8F35010-364B-470B-BB6C-DCBBE63D2E54}" type="slidenum">
-              <a:rPr lang="en-US" smtClean="0">
-                <a:solidFill>
-                  <a:schemeClr val="tx1"/>
-                </a:solidFill>
-              </a:rPr>
-              <a:t>9</a:t>
-            </a:fld>
-            <a:endParaRPr lang="en-US" dirty="0">
-              <a:solidFill>
-                <a:schemeClr val="tx1"/>
-              </a:solidFill>
-            </a:endParaRPr>
-          </a:p>
-        </p:txBody>
-      </p:sp>
-      <p:pic>
-        <p:nvPicPr>
-          <p:cNvPr id="5" name="Picture 4">
-            <a:extLst>
-              <a:ext uri="{FF2B5EF4-FFF2-40B4-BE49-F238E27FC236}">
-                <a16:creationId xmlns:a16="http://schemas.microsoft.com/office/drawing/2014/main" id="{9FECBB75-E31A-0320-7CD3-506E6EB53A16}"/>
-              </a:ext>
-            </a:extLst>
-          </p:cNvPr>
-          <p:cNvPicPr>
-            <a:picLocks noChangeAspect="1"/>
-          </p:cNvPicPr>
-          <p:nvPr/>
-        </p:nvPicPr>
-        <p:blipFill>
-          <a:blip r:embed="rId3"/>
-          <a:stretch>
-            <a:fillRect/>
-          </a:stretch>
-        </p:blipFill>
-        <p:spPr>
-          <a:xfrm>
-            <a:off x="754396" y="999489"/>
-            <a:ext cx="9534991" cy="4769980"/>
-          </a:xfrm>
-          <a:prstGeom prst="rect">
-            <a:avLst/>
-          </a:prstGeom>
-        </p:spPr>
-      </p:pic>
-    </p:spTree>
-    <p:extLst>
-      <p:ext uri="{BB962C8B-B14F-4D97-AF65-F5344CB8AC3E}">
-        <p14:creationId xmlns:p14="http://schemas.microsoft.com/office/powerpoint/2010/main" val="1035282292"/>
       </p:ext>
     </p:extLst>
   </p:cSld>

--- a/OnlineBookLibrarySystem_Capstone.pptx
+++ b/OnlineBookLibrarySystem_Capstone.pptx
@@ -215,7 +215,7 @@
           <a:p>
             <a:fld id="{64F83ABB-A641-41B3-815B-0BF716117969}" type="datetimeFigureOut">
               <a:rPr lang="en-US" smtClean="0"/>
-              <a:t>6/13/2025</a:t>
+              <a:t>6/14/2025</a:t>
             </a:fld>
             <a:endParaRPr lang="en-US"/>
           </a:p>
@@ -629,7 +629,7 @@
           <a:p>
             <a:fld id="{D66C86BF-26DF-47F2-BBA6-FB99F1E1025C}" type="datetimeFigureOut">
               <a:rPr lang="en-US" smtClean="0"/>
-              <a:t>6/13/2025</a:t>
+              <a:t>6/14/2025</a:t>
             </a:fld>
             <a:endParaRPr lang="en-US"/>
           </a:p>
@@ -827,7 +827,7 @@
           <a:p>
             <a:fld id="{D66C86BF-26DF-47F2-BBA6-FB99F1E1025C}" type="datetimeFigureOut">
               <a:rPr lang="en-US" smtClean="0"/>
-              <a:t>6/13/2025</a:t>
+              <a:t>6/14/2025</a:t>
             </a:fld>
             <a:endParaRPr lang="en-US"/>
           </a:p>
@@ -1035,7 +1035,7 @@
           <a:p>
             <a:fld id="{D66C86BF-26DF-47F2-BBA6-FB99F1E1025C}" type="datetimeFigureOut">
               <a:rPr lang="en-US" smtClean="0"/>
-              <a:t>6/13/2025</a:t>
+              <a:t>6/14/2025</a:t>
             </a:fld>
             <a:endParaRPr lang="en-US"/>
           </a:p>
@@ -1233,7 +1233,7 @@
           <a:p>
             <a:fld id="{D66C86BF-26DF-47F2-BBA6-FB99F1E1025C}" type="datetimeFigureOut">
               <a:rPr lang="en-US" smtClean="0"/>
-              <a:t>6/13/2025</a:t>
+              <a:t>6/14/2025</a:t>
             </a:fld>
             <a:endParaRPr lang="en-US"/>
           </a:p>
@@ -1508,7 +1508,7 @@
           <a:p>
             <a:fld id="{D66C86BF-26DF-47F2-BBA6-FB99F1E1025C}" type="datetimeFigureOut">
               <a:rPr lang="en-US" smtClean="0"/>
-              <a:t>6/13/2025</a:t>
+              <a:t>6/14/2025</a:t>
             </a:fld>
             <a:endParaRPr lang="en-US"/>
           </a:p>
@@ -1773,7 +1773,7 @@
           <a:p>
             <a:fld id="{D66C86BF-26DF-47F2-BBA6-FB99F1E1025C}" type="datetimeFigureOut">
               <a:rPr lang="en-US" smtClean="0"/>
-              <a:t>6/13/2025</a:t>
+              <a:t>6/14/2025</a:t>
             </a:fld>
             <a:endParaRPr lang="en-US"/>
           </a:p>
@@ -2185,7 +2185,7 @@
           <a:p>
             <a:fld id="{D66C86BF-26DF-47F2-BBA6-FB99F1E1025C}" type="datetimeFigureOut">
               <a:rPr lang="en-US" smtClean="0"/>
-              <a:t>6/13/2025</a:t>
+              <a:t>6/14/2025</a:t>
             </a:fld>
             <a:endParaRPr lang="en-US"/>
           </a:p>
@@ -2326,7 +2326,7 @@
           <a:p>
             <a:fld id="{D66C86BF-26DF-47F2-BBA6-FB99F1E1025C}" type="datetimeFigureOut">
               <a:rPr lang="en-US" smtClean="0"/>
-              <a:t>6/13/2025</a:t>
+              <a:t>6/14/2025</a:t>
             </a:fld>
             <a:endParaRPr lang="en-US"/>
           </a:p>
@@ -2439,7 +2439,7 @@
           <a:p>
             <a:fld id="{D66C86BF-26DF-47F2-BBA6-FB99F1E1025C}" type="datetimeFigureOut">
               <a:rPr lang="en-US" smtClean="0"/>
-              <a:t>6/13/2025</a:t>
+              <a:t>6/14/2025</a:t>
             </a:fld>
             <a:endParaRPr lang="en-US"/>
           </a:p>
@@ -2750,7 +2750,7 @@
           <a:p>
             <a:fld id="{D66C86BF-26DF-47F2-BBA6-FB99F1E1025C}" type="datetimeFigureOut">
               <a:rPr lang="en-US" smtClean="0"/>
-              <a:t>6/13/2025</a:t>
+              <a:t>6/14/2025</a:t>
             </a:fld>
             <a:endParaRPr lang="en-US"/>
           </a:p>
@@ -3038,7 +3038,7 @@
           <a:p>
             <a:fld id="{D66C86BF-26DF-47F2-BBA6-FB99F1E1025C}" type="datetimeFigureOut">
               <a:rPr lang="en-US" smtClean="0"/>
-              <a:t>6/13/2025</a:t>
+              <a:t>6/14/2025</a:t>
             </a:fld>
             <a:endParaRPr lang="en-US"/>
           </a:p>
@@ -3279,7 +3279,7 @@
           <a:p>
             <a:fld id="{D66C86BF-26DF-47F2-BBA6-FB99F1E1025C}" type="datetimeFigureOut">
               <a:rPr lang="en-US" smtClean="0"/>
-              <a:t>6/13/2025</a:t>
+              <a:t>6/14/2025</a:t>
             </a:fld>
             <a:endParaRPr lang="en-US"/>
           </a:p>
@@ -9940,49 +9940,32 @@
       </p:sp>
       <p:pic>
         <p:nvPicPr>
-          <p:cNvPr id="3074" name="Picture 2" descr="image">
-            <a:extLst>
-              <a:ext uri="{FF2B5EF4-FFF2-40B4-BE49-F238E27FC236}">
-                <a16:creationId xmlns:a16="http://schemas.microsoft.com/office/drawing/2014/main" id="{44C9064C-E1DB-CE73-9B33-32DD96EC6FC1}"/>
+          <p:cNvPr id="5" name="Picture 4">
+            <a:extLst>
+              <a:ext uri="{FF2B5EF4-FFF2-40B4-BE49-F238E27FC236}">
+                <a16:creationId xmlns:a16="http://schemas.microsoft.com/office/drawing/2014/main" id="{5EFB09C3-B3B5-D4FB-8611-473B1426C726}"/>
               </a:ext>
             </a:extLst>
           </p:cNvPr>
           <p:cNvPicPr>
-            <a:picLocks noChangeAspect="1" noChangeArrowheads="1"/>
+            <a:picLocks noChangeAspect="1"/>
           </p:cNvPicPr>
           <p:nvPr/>
         </p:nvPicPr>
         <p:blipFill>
-          <a:blip r:embed="rId3">
-            <a:extLst>
-              <a:ext uri="{28A0092B-C50C-407E-A947-70E740481C1C}">
-                <a14:useLocalDpi xmlns:a14="http://schemas.microsoft.com/office/drawing/2010/main" val="0"/>
-              </a:ext>
-            </a:extLst>
-          </a:blip>
-          <a:srcRect/>
+          <a:blip r:embed="rId3"/>
           <a:stretch>
             <a:fillRect/>
           </a:stretch>
         </p:blipFill>
-        <p:spPr bwMode="auto">
+        <p:spPr>
           <a:xfrm>
-            <a:off x="754396" y="912814"/>
-            <a:ext cx="10209229" cy="5172411"/>
+            <a:off x="1160995" y="940652"/>
+            <a:ext cx="9870010" cy="4976695"/>
           </a:xfrm>
           <a:prstGeom prst="rect">
             <a:avLst/>
           </a:prstGeom>
-          <a:noFill/>
-          <a:extLst>
-            <a:ext uri="{909E8E84-426E-40DD-AFC4-6F175D3DCCD1}">
-              <a14:hiddenFill xmlns:a14="http://schemas.microsoft.com/office/drawing/2010/main">
-                <a:solidFill>
-                  <a:srgbClr val="FFFFFF"/>
-                </a:solidFill>
-              </a14:hiddenFill>
-            </a:ext>
-          </a:extLst>
         </p:spPr>
       </p:pic>
     </p:spTree>
